--- a/OTHER/basic_logo.pptx
+++ b/OTHER/basic_logo.pptx
@@ -108,6 +108,11 @@
       </a:defRPr>
     </a:lvl9pPr>
   </p:defaultTextStyle>
+  <p:extLst>
+    <p:ext uri="{EFAFB233-063F-42B5-8137-9DF3F51BA10A}">
+      <p15:sldGuideLst xmlns:p15="http://schemas.microsoft.com/office/powerpoint/2012/main"/>
+    </p:ext>
+  </p:extLst>
 </p:presentation>
 </file>
 
@@ -193,7 +198,7 @@
           <a:p>
             <a:fld id="{B8C01167-9CA8-1B4F-B837-DFF0EF020749}" type="datetimeFigureOut">
               <a:rPr lang="en-US" smtClean="0"/>
-              <a:t>10/19/18</a:t>
+              <a:t>11/7/18</a:t>
             </a:fld>
             <a:endParaRPr lang="en-US"/>
           </a:p>
@@ -592,7 +597,7 @@
           <a:p>
             <a:fld id="{79E6FCEB-AE56-AC4A-9191-85344CFE930F}" type="datetimeFigureOut">
               <a:rPr lang="en-US" smtClean="0"/>
-              <a:t>10/19/18</a:t>
+              <a:t>11/7/18</a:t>
             </a:fld>
             <a:endParaRPr lang="en-US"/>
           </a:p>
@@ -757,7 +762,7 @@
           <a:p>
             <a:fld id="{79E6FCEB-AE56-AC4A-9191-85344CFE930F}" type="datetimeFigureOut">
               <a:rPr lang="en-US" smtClean="0"/>
-              <a:t>10/19/18</a:t>
+              <a:t>11/7/18</a:t>
             </a:fld>
             <a:endParaRPr lang="en-US"/>
           </a:p>
@@ -932,7 +937,7 @@
           <a:p>
             <a:fld id="{79E6FCEB-AE56-AC4A-9191-85344CFE930F}" type="datetimeFigureOut">
               <a:rPr lang="en-US" smtClean="0"/>
-              <a:t>10/19/18</a:t>
+              <a:t>11/7/18</a:t>
             </a:fld>
             <a:endParaRPr lang="en-US"/>
           </a:p>
@@ -1097,7 +1102,7 @@
           <a:p>
             <a:fld id="{79E6FCEB-AE56-AC4A-9191-85344CFE930F}" type="datetimeFigureOut">
               <a:rPr lang="en-US" smtClean="0"/>
-              <a:t>10/19/18</a:t>
+              <a:t>11/7/18</a:t>
             </a:fld>
             <a:endParaRPr lang="en-US"/>
           </a:p>
@@ -1336,7 +1341,7 @@
           <a:p>
             <a:fld id="{79E6FCEB-AE56-AC4A-9191-85344CFE930F}" type="datetimeFigureOut">
               <a:rPr lang="en-US" smtClean="0"/>
-              <a:t>10/19/18</a:t>
+              <a:t>11/7/18</a:t>
             </a:fld>
             <a:endParaRPr lang="en-US"/>
           </a:p>
@@ -1563,7 +1568,7 @@
           <a:p>
             <a:fld id="{79E6FCEB-AE56-AC4A-9191-85344CFE930F}" type="datetimeFigureOut">
               <a:rPr lang="en-US" smtClean="0"/>
-              <a:t>10/19/18</a:t>
+              <a:t>11/7/18</a:t>
             </a:fld>
             <a:endParaRPr lang="en-US"/>
           </a:p>
@@ -1925,7 +1930,7 @@
           <a:p>
             <a:fld id="{79E6FCEB-AE56-AC4A-9191-85344CFE930F}" type="datetimeFigureOut">
               <a:rPr lang="en-US" smtClean="0"/>
-              <a:t>10/19/18</a:t>
+              <a:t>11/7/18</a:t>
             </a:fld>
             <a:endParaRPr lang="en-US"/>
           </a:p>
@@ -2038,7 +2043,7 @@
           <a:p>
             <a:fld id="{79E6FCEB-AE56-AC4A-9191-85344CFE930F}" type="datetimeFigureOut">
               <a:rPr lang="en-US" smtClean="0"/>
-              <a:t>10/19/18</a:t>
+              <a:t>11/7/18</a:t>
             </a:fld>
             <a:endParaRPr lang="en-US"/>
           </a:p>
@@ -2128,7 +2133,7 @@
           <a:p>
             <a:fld id="{79E6FCEB-AE56-AC4A-9191-85344CFE930F}" type="datetimeFigureOut">
               <a:rPr lang="en-US" smtClean="0"/>
-              <a:t>10/19/18</a:t>
+              <a:t>11/7/18</a:t>
             </a:fld>
             <a:endParaRPr lang="en-US"/>
           </a:p>
@@ -2400,7 +2405,7 @@
           <a:p>
             <a:fld id="{79E6FCEB-AE56-AC4A-9191-85344CFE930F}" type="datetimeFigureOut">
               <a:rPr lang="en-US" smtClean="0"/>
-              <a:t>10/19/18</a:t>
+              <a:t>11/7/18</a:t>
             </a:fld>
             <a:endParaRPr lang="en-US"/>
           </a:p>
@@ -2652,7 +2657,7 @@
           <a:p>
             <a:fld id="{79E6FCEB-AE56-AC4A-9191-85344CFE930F}" type="datetimeFigureOut">
               <a:rPr lang="en-US" smtClean="0"/>
-              <a:t>10/19/18</a:t>
+              <a:t>11/7/18</a:t>
             </a:fld>
             <a:endParaRPr lang="en-US"/>
           </a:p>
@@ -2860,7 +2865,7 @@
           <a:p>
             <a:fld id="{79E6FCEB-AE56-AC4A-9191-85344CFE930F}" type="datetimeFigureOut">
               <a:rPr lang="en-US" smtClean="0"/>
-              <a:t>10/19/18</a:t>
+              <a:t>11/7/18</a:t>
             </a:fld>
             <a:endParaRPr lang="en-US"/>
           </a:p>
@@ -3254,9 +3259,7 @@
     <p:bg>
       <p:bgPr>
         <a:solidFill>
-          <a:schemeClr val="bg1">
-            <a:alpha val="0"/>
-          </a:schemeClr>
+          <a:schemeClr val="tx1"/>
         </a:solidFill>
         <a:effectLst/>
       </p:bgPr>
@@ -3396,6 +3399,14 @@
 <file path=ppt/slides/slide2.xml><?xml version="1.0" encoding="utf-8"?>
 <p:sld xmlns:a="http://schemas.openxmlformats.org/drawingml/2006/main" xmlns:r="http://schemas.openxmlformats.org/officeDocument/2006/relationships" xmlns:p="http://schemas.openxmlformats.org/presentationml/2006/main">
   <p:cSld>
+    <p:bg>
+      <p:bgPr>
+        <a:solidFill>
+          <a:schemeClr val="tx1"/>
+        </a:solidFill>
+        <a:effectLst/>
+      </p:bgPr>
+    </p:bg>
     <p:spTree>
       <p:nvGrpSpPr>
         <p:cNvPr id="1" name=""/>
